--- a/프레젠테이션1.pptx
+++ b/프레젠테이션1.pptx
@@ -7,6 +7,7 @@
   <p:sldIdLst>
     <p:sldId id="256" r:id="rId2"/>
     <p:sldId id="257" r:id="rId3"/>
+    <p:sldId id="258" r:id="rId4"/>
   </p:sldIdLst>
   <p:sldSz cx="12192000" cy="6858000"/>
   <p:notesSz cx="6858000" cy="9144000"/>
@@ -260,7 +261,7 @@
           <a:p>
             <a:fld id="{80C2B79C-01F9-470D-BE5D-59AE935B18AA}" type="datetimeFigureOut">
               <a:rPr lang="ko-KR" altLang="en-US" smtClean="0"/>
-              <a:t>2025-07-13</a:t>
+              <a:t>2025-08-13</a:t>
             </a:fld>
             <a:endParaRPr lang="ko-KR" altLang="en-US"/>
           </a:p>
@@ -458,7 +459,7 @@
           <a:p>
             <a:fld id="{80C2B79C-01F9-470D-BE5D-59AE935B18AA}" type="datetimeFigureOut">
               <a:rPr lang="ko-KR" altLang="en-US" smtClean="0"/>
-              <a:t>2025-07-13</a:t>
+              <a:t>2025-08-13</a:t>
             </a:fld>
             <a:endParaRPr lang="ko-KR" altLang="en-US"/>
           </a:p>
@@ -666,7 +667,7 @@
           <a:p>
             <a:fld id="{80C2B79C-01F9-470D-BE5D-59AE935B18AA}" type="datetimeFigureOut">
               <a:rPr lang="ko-KR" altLang="en-US" smtClean="0"/>
-              <a:t>2025-07-13</a:t>
+              <a:t>2025-08-13</a:t>
             </a:fld>
             <a:endParaRPr lang="ko-KR" altLang="en-US"/>
           </a:p>
@@ -864,7 +865,7 @@
           <a:p>
             <a:fld id="{80C2B79C-01F9-470D-BE5D-59AE935B18AA}" type="datetimeFigureOut">
               <a:rPr lang="ko-KR" altLang="en-US" smtClean="0"/>
-              <a:t>2025-07-13</a:t>
+              <a:t>2025-08-13</a:t>
             </a:fld>
             <a:endParaRPr lang="ko-KR" altLang="en-US"/>
           </a:p>
@@ -1139,7 +1140,7 @@
           <a:p>
             <a:fld id="{80C2B79C-01F9-470D-BE5D-59AE935B18AA}" type="datetimeFigureOut">
               <a:rPr lang="ko-KR" altLang="en-US" smtClean="0"/>
-              <a:t>2025-07-13</a:t>
+              <a:t>2025-08-13</a:t>
             </a:fld>
             <a:endParaRPr lang="ko-KR" altLang="en-US"/>
           </a:p>
@@ -1404,7 +1405,7 @@
           <a:p>
             <a:fld id="{80C2B79C-01F9-470D-BE5D-59AE935B18AA}" type="datetimeFigureOut">
               <a:rPr lang="ko-KR" altLang="en-US" smtClean="0"/>
-              <a:t>2025-07-13</a:t>
+              <a:t>2025-08-13</a:t>
             </a:fld>
             <a:endParaRPr lang="ko-KR" altLang="en-US"/>
           </a:p>
@@ -1816,7 +1817,7 @@
           <a:p>
             <a:fld id="{80C2B79C-01F9-470D-BE5D-59AE935B18AA}" type="datetimeFigureOut">
               <a:rPr lang="ko-KR" altLang="en-US" smtClean="0"/>
-              <a:t>2025-07-13</a:t>
+              <a:t>2025-08-13</a:t>
             </a:fld>
             <a:endParaRPr lang="ko-KR" altLang="en-US"/>
           </a:p>
@@ -1957,7 +1958,7 @@
           <a:p>
             <a:fld id="{80C2B79C-01F9-470D-BE5D-59AE935B18AA}" type="datetimeFigureOut">
               <a:rPr lang="ko-KR" altLang="en-US" smtClean="0"/>
-              <a:t>2025-07-13</a:t>
+              <a:t>2025-08-13</a:t>
             </a:fld>
             <a:endParaRPr lang="ko-KR" altLang="en-US"/>
           </a:p>
@@ -2070,7 +2071,7 @@
           <a:p>
             <a:fld id="{80C2B79C-01F9-470D-BE5D-59AE935B18AA}" type="datetimeFigureOut">
               <a:rPr lang="ko-KR" altLang="en-US" smtClean="0"/>
-              <a:t>2025-07-13</a:t>
+              <a:t>2025-08-13</a:t>
             </a:fld>
             <a:endParaRPr lang="ko-KR" altLang="en-US"/>
           </a:p>
@@ -2381,7 +2382,7 @@
           <a:p>
             <a:fld id="{80C2B79C-01F9-470D-BE5D-59AE935B18AA}" type="datetimeFigureOut">
               <a:rPr lang="ko-KR" altLang="en-US" smtClean="0"/>
-              <a:t>2025-07-13</a:t>
+              <a:t>2025-08-13</a:t>
             </a:fld>
             <a:endParaRPr lang="ko-KR" altLang="en-US"/>
           </a:p>
@@ -2669,7 +2670,7 @@
           <a:p>
             <a:fld id="{80C2B79C-01F9-470D-BE5D-59AE935B18AA}" type="datetimeFigureOut">
               <a:rPr lang="ko-KR" altLang="en-US" smtClean="0"/>
-              <a:t>2025-07-13</a:t>
+              <a:t>2025-08-13</a:t>
             </a:fld>
             <a:endParaRPr lang="ko-KR" altLang="en-US"/>
           </a:p>
@@ -2910,7 +2911,7 @@
           <a:p>
             <a:fld id="{80C2B79C-01F9-470D-BE5D-59AE935B18AA}" type="datetimeFigureOut">
               <a:rPr lang="ko-KR" altLang="en-US" smtClean="0"/>
-              <a:t>2025-07-13</a:t>
+              <a:t>2025-08-13</a:t>
             </a:fld>
             <a:endParaRPr lang="ko-KR" altLang="en-US"/>
           </a:p>
@@ -3876,6 +3877,1294 @@
     <p:extLst>
       <p:ext uri="{BB962C8B-B14F-4D97-AF65-F5344CB8AC3E}">
         <p14:creationId xmlns:p14="http://schemas.microsoft.com/office/powerpoint/2010/main" val="4200357988"/>
+      </p:ext>
+    </p:extLst>
+  </p:cSld>
+  <p:clrMapOvr>
+    <a:masterClrMapping/>
+  </p:clrMapOvr>
+</p:sld>
+</file>
+
+<file path=ppt/slides/slide3.xml><?xml version="1.0" encoding="utf-8"?>
+<p:sld xmlns:a="http://schemas.openxmlformats.org/drawingml/2006/main" xmlns:r="http://schemas.openxmlformats.org/officeDocument/2006/relationships" xmlns:p="http://schemas.openxmlformats.org/presentationml/2006/main">
+  <p:cSld>
+    <p:spTree>
+      <p:nvGrpSpPr>
+        <p:cNvPr id="1" name=""/>
+        <p:cNvGrpSpPr/>
+        <p:nvPr/>
+      </p:nvGrpSpPr>
+      <p:grpSpPr>
+        <a:xfrm>
+          <a:off x="0" y="0"/>
+          <a:ext cx="0" cy="0"/>
+          <a:chOff x="0" y="0"/>
+          <a:chExt cx="0" cy="0"/>
+        </a:xfrm>
+      </p:grpSpPr>
+      <p:sp>
+        <p:nvSpPr>
+          <p:cNvPr id="4" name="직사각형 3">
+            <a:extLst>
+              <a:ext uri="{FF2B5EF4-FFF2-40B4-BE49-F238E27FC236}">
+                <a16:creationId xmlns:a16="http://schemas.microsoft.com/office/drawing/2014/main" id="{B2DE9934-1C60-36B8-0DCB-E0011A7A3CF4}"/>
+              </a:ext>
+            </a:extLst>
+          </p:cNvPr>
+          <p:cNvSpPr/>
+          <p:nvPr/>
+        </p:nvSpPr>
+        <p:spPr>
+          <a:xfrm>
+            <a:off x="1613043" y="1726058"/>
+            <a:ext cx="1448656" cy="400693"/>
+          </a:xfrm>
+          <a:prstGeom prst="rect">
+            <a:avLst/>
+          </a:prstGeom>
+          <a:noFill/>
+          <a:ln>
+            <a:solidFill>
+              <a:schemeClr val="tx1"/>
+            </a:solidFill>
+          </a:ln>
+        </p:spPr>
+        <p:style>
+          <a:lnRef idx="2">
+            <a:schemeClr val="accent1">
+              <a:shade val="15000"/>
+            </a:schemeClr>
+          </a:lnRef>
+          <a:fillRef idx="1">
+            <a:schemeClr val="accent1"/>
+          </a:fillRef>
+          <a:effectRef idx="0">
+            <a:schemeClr val="accent1"/>
+          </a:effectRef>
+          <a:fontRef idx="minor">
+            <a:schemeClr val="lt1"/>
+          </a:fontRef>
+        </p:style>
+        <p:txBody>
+          <a:bodyPr rtlCol="0" anchor="ctr"/>
+          <a:lstStyle/>
+          <a:p>
+            <a:pPr algn="ctr"/>
+            <a:endParaRPr lang="ko-KR" altLang="en-US"/>
+          </a:p>
+        </p:txBody>
+      </p:sp>
+      <p:sp>
+        <p:nvSpPr>
+          <p:cNvPr id="5" name="직사각형 4">
+            <a:extLst>
+              <a:ext uri="{FF2B5EF4-FFF2-40B4-BE49-F238E27FC236}">
+                <a16:creationId xmlns:a16="http://schemas.microsoft.com/office/drawing/2014/main" id="{05222A38-7613-9A33-4462-212891264389}"/>
+              </a:ext>
+            </a:extLst>
+          </p:cNvPr>
+          <p:cNvSpPr/>
+          <p:nvPr/>
+        </p:nvSpPr>
+        <p:spPr>
+          <a:xfrm>
+            <a:off x="3226086" y="1726058"/>
+            <a:ext cx="1448656" cy="400693"/>
+          </a:xfrm>
+          <a:prstGeom prst="rect">
+            <a:avLst/>
+          </a:prstGeom>
+          <a:noFill/>
+          <a:ln>
+            <a:solidFill>
+              <a:schemeClr val="tx1"/>
+            </a:solidFill>
+          </a:ln>
+        </p:spPr>
+        <p:style>
+          <a:lnRef idx="2">
+            <a:schemeClr val="accent1">
+              <a:shade val="15000"/>
+            </a:schemeClr>
+          </a:lnRef>
+          <a:fillRef idx="1">
+            <a:schemeClr val="accent1"/>
+          </a:fillRef>
+          <a:effectRef idx="0">
+            <a:schemeClr val="accent1"/>
+          </a:effectRef>
+          <a:fontRef idx="minor">
+            <a:schemeClr val="lt1"/>
+          </a:fontRef>
+        </p:style>
+        <p:txBody>
+          <a:bodyPr rtlCol="0" anchor="ctr"/>
+          <a:lstStyle/>
+          <a:p>
+            <a:pPr algn="ctr"/>
+            <a:endParaRPr lang="ko-KR" altLang="en-US"/>
+          </a:p>
+        </p:txBody>
+      </p:sp>
+      <p:sp>
+        <p:nvSpPr>
+          <p:cNvPr id="6" name="직사각형 5">
+            <a:extLst>
+              <a:ext uri="{FF2B5EF4-FFF2-40B4-BE49-F238E27FC236}">
+                <a16:creationId xmlns:a16="http://schemas.microsoft.com/office/drawing/2014/main" id="{E7701D87-D0A3-4456-D296-5F53DA0CBBEB}"/>
+              </a:ext>
+            </a:extLst>
+          </p:cNvPr>
+          <p:cNvSpPr/>
+          <p:nvPr/>
+        </p:nvSpPr>
+        <p:spPr>
+          <a:xfrm>
+            <a:off x="4839129" y="1726058"/>
+            <a:ext cx="1448656" cy="400693"/>
+          </a:xfrm>
+          <a:prstGeom prst="rect">
+            <a:avLst/>
+          </a:prstGeom>
+          <a:noFill/>
+          <a:ln>
+            <a:solidFill>
+              <a:schemeClr val="tx1"/>
+            </a:solidFill>
+          </a:ln>
+        </p:spPr>
+        <p:style>
+          <a:lnRef idx="2">
+            <a:schemeClr val="accent1">
+              <a:shade val="15000"/>
+            </a:schemeClr>
+          </a:lnRef>
+          <a:fillRef idx="1">
+            <a:schemeClr val="accent1"/>
+          </a:fillRef>
+          <a:effectRef idx="0">
+            <a:schemeClr val="accent1"/>
+          </a:effectRef>
+          <a:fontRef idx="minor">
+            <a:schemeClr val="lt1"/>
+          </a:fontRef>
+        </p:style>
+        <p:txBody>
+          <a:bodyPr rtlCol="0" anchor="ctr"/>
+          <a:lstStyle/>
+          <a:p>
+            <a:pPr algn="ctr"/>
+            <a:endParaRPr lang="ko-KR" altLang="en-US"/>
+          </a:p>
+        </p:txBody>
+      </p:sp>
+      <p:sp>
+        <p:nvSpPr>
+          <p:cNvPr id="7" name="TextBox 6">
+            <a:extLst>
+              <a:ext uri="{FF2B5EF4-FFF2-40B4-BE49-F238E27FC236}">
+                <a16:creationId xmlns:a16="http://schemas.microsoft.com/office/drawing/2014/main" id="{662E10AA-2A67-1499-9984-F8F847D3888B}"/>
+              </a:ext>
+            </a:extLst>
+          </p:cNvPr>
+          <p:cNvSpPr txBox="1"/>
+          <p:nvPr/>
+        </p:nvSpPr>
+        <p:spPr>
+          <a:xfrm>
+            <a:off x="2014205" y="1356726"/>
+            <a:ext cx="646331" cy="369332"/>
+          </a:xfrm>
+          <a:prstGeom prst="rect">
+            <a:avLst/>
+          </a:prstGeom>
+          <a:noFill/>
+        </p:spPr>
+        <p:txBody>
+          <a:bodyPr wrap="none" rtlCol="0">
+            <a:spAutoFit/>
+          </a:bodyPr>
+          <a:lstStyle/>
+          <a:p>
+            <a:r>
+              <a:rPr lang="ko-KR" altLang="en-US"/>
+              <a:t>학년</a:t>
+            </a:r>
+          </a:p>
+        </p:txBody>
+      </p:sp>
+      <p:sp>
+        <p:nvSpPr>
+          <p:cNvPr id="8" name="TextBox 7">
+            <a:extLst>
+              <a:ext uri="{FF2B5EF4-FFF2-40B4-BE49-F238E27FC236}">
+                <a16:creationId xmlns:a16="http://schemas.microsoft.com/office/drawing/2014/main" id="{C7EE7AA2-911B-8E9A-4E56-0C2A3C067985}"/>
+              </a:ext>
+            </a:extLst>
+          </p:cNvPr>
+          <p:cNvSpPr txBox="1"/>
+          <p:nvPr/>
+        </p:nvSpPr>
+        <p:spPr>
+          <a:xfrm>
+            <a:off x="3742665" y="1356726"/>
+            <a:ext cx="415498" cy="369332"/>
+          </a:xfrm>
+          <a:prstGeom prst="rect">
+            <a:avLst/>
+          </a:prstGeom>
+          <a:noFill/>
+        </p:spPr>
+        <p:txBody>
+          <a:bodyPr wrap="square" rtlCol="0">
+            <a:spAutoFit/>
+          </a:bodyPr>
+          <a:lstStyle/>
+          <a:p>
+            <a:r>
+              <a:rPr lang="ko-KR" altLang="en-US" dirty="0"/>
+              <a:t>반</a:t>
+            </a:r>
+          </a:p>
+        </p:txBody>
+      </p:sp>
+      <p:sp>
+        <p:nvSpPr>
+          <p:cNvPr id="9" name="TextBox 8">
+            <a:extLst>
+              <a:ext uri="{FF2B5EF4-FFF2-40B4-BE49-F238E27FC236}">
+                <a16:creationId xmlns:a16="http://schemas.microsoft.com/office/drawing/2014/main" id="{5FCA98D3-C780-F6D2-E8E6-382E45CE54D2}"/>
+              </a:ext>
+            </a:extLst>
+          </p:cNvPr>
+          <p:cNvSpPr txBox="1"/>
+          <p:nvPr/>
+        </p:nvSpPr>
+        <p:spPr>
+          <a:xfrm>
+            <a:off x="5178177" y="1356726"/>
+            <a:ext cx="770560" cy="369332"/>
+          </a:xfrm>
+          <a:prstGeom prst="rect">
+            <a:avLst/>
+          </a:prstGeom>
+          <a:noFill/>
+        </p:spPr>
+        <p:txBody>
+          <a:bodyPr wrap="square" rtlCol="0">
+            <a:spAutoFit/>
+          </a:bodyPr>
+          <a:lstStyle/>
+          <a:p>
+            <a:pPr algn="ctr"/>
+            <a:r>
+              <a:rPr lang="ko-KR" altLang="en-US" dirty="0"/>
+              <a:t>번호</a:t>
+            </a:r>
+          </a:p>
+        </p:txBody>
+      </p:sp>
+      <p:sp>
+        <p:nvSpPr>
+          <p:cNvPr id="10" name="직사각형 9">
+            <a:extLst>
+              <a:ext uri="{FF2B5EF4-FFF2-40B4-BE49-F238E27FC236}">
+                <a16:creationId xmlns:a16="http://schemas.microsoft.com/office/drawing/2014/main" id="{D7916C2D-D5CA-2B87-AD89-F9DC9EB14D70}"/>
+              </a:ext>
+            </a:extLst>
+          </p:cNvPr>
+          <p:cNvSpPr/>
+          <p:nvPr/>
+        </p:nvSpPr>
+        <p:spPr>
+          <a:xfrm>
+            <a:off x="1613043" y="2671286"/>
+            <a:ext cx="4674742" cy="400693"/>
+          </a:xfrm>
+          <a:prstGeom prst="rect">
+            <a:avLst/>
+          </a:prstGeom>
+          <a:noFill/>
+          <a:ln>
+            <a:solidFill>
+              <a:schemeClr val="tx1"/>
+            </a:solidFill>
+          </a:ln>
+        </p:spPr>
+        <p:style>
+          <a:lnRef idx="2">
+            <a:schemeClr val="accent1">
+              <a:shade val="15000"/>
+            </a:schemeClr>
+          </a:lnRef>
+          <a:fillRef idx="1">
+            <a:schemeClr val="accent1"/>
+          </a:fillRef>
+          <a:effectRef idx="0">
+            <a:schemeClr val="accent1"/>
+          </a:effectRef>
+          <a:fontRef idx="minor">
+            <a:schemeClr val="lt1"/>
+          </a:fontRef>
+        </p:style>
+        <p:txBody>
+          <a:bodyPr rtlCol="0" anchor="ctr"/>
+          <a:lstStyle/>
+          <a:p>
+            <a:pPr algn="ctr"/>
+            <a:endParaRPr lang="ko-KR" altLang="en-US"/>
+          </a:p>
+        </p:txBody>
+      </p:sp>
+      <p:sp>
+        <p:nvSpPr>
+          <p:cNvPr id="11" name="TextBox 10">
+            <a:extLst>
+              <a:ext uri="{FF2B5EF4-FFF2-40B4-BE49-F238E27FC236}">
+                <a16:creationId xmlns:a16="http://schemas.microsoft.com/office/drawing/2014/main" id="{39D24F9C-4C71-9A29-93FD-847CB66BDFFC}"/>
+              </a:ext>
+            </a:extLst>
+          </p:cNvPr>
+          <p:cNvSpPr txBox="1"/>
+          <p:nvPr/>
+        </p:nvSpPr>
+        <p:spPr>
+          <a:xfrm>
+            <a:off x="3318554" y="2270593"/>
+            <a:ext cx="1263720" cy="369332"/>
+          </a:xfrm>
+          <a:prstGeom prst="rect">
+            <a:avLst/>
+          </a:prstGeom>
+          <a:noFill/>
+        </p:spPr>
+        <p:txBody>
+          <a:bodyPr wrap="square" rtlCol="0">
+            <a:spAutoFit/>
+          </a:bodyPr>
+          <a:lstStyle/>
+          <a:p>
+            <a:pPr algn="ctr"/>
+            <a:r>
+              <a:rPr lang="ko-KR" altLang="en-US" dirty="0"/>
+              <a:t>이름</a:t>
+            </a:r>
+          </a:p>
+        </p:txBody>
+      </p:sp>
+      <p:sp>
+        <p:nvSpPr>
+          <p:cNvPr id="24" name="직사각형 23">
+            <a:extLst>
+              <a:ext uri="{FF2B5EF4-FFF2-40B4-BE49-F238E27FC236}">
+                <a16:creationId xmlns:a16="http://schemas.microsoft.com/office/drawing/2014/main" id="{AD246C91-F6FB-B010-F5E7-D209330C64E3}"/>
+              </a:ext>
+            </a:extLst>
+          </p:cNvPr>
+          <p:cNvSpPr/>
+          <p:nvPr/>
+        </p:nvSpPr>
+        <p:spPr>
+          <a:xfrm>
+            <a:off x="7035535" y="1726058"/>
+            <a:ext cx="1448656" cy="400693"/>
+          </a:xfrm>
+          <a:prstGeom prst="rect">
+            <a:avLst/>
+          </a:prstGeom>
+          <a:noFill/>
+          <a:ln>
+            <a:solidFill>
+              <a:schemeClr val="tx1"/>
+            </a:solidFill>
+          </a:ln>
+        </p:spPr>
+        <p:style>
+          <a:lnRef idx="2">
+            <a:schemeClr val="accent1">
+              <a:shade val="15000"/>
+            </a:schemeClr>
+          </a:lnRef>
+          <a:fillRef idx="1">
+            <a:schemeClr val="accent1"/>
+          </a:fillRef>
+          <a:effectRef idx="0">
+            <a:schemeClr val="accent1"/>
+          </a:effectRef>
+          <a:fontRef idx="minor">
+            <a:schemeClr val="lt1"/>
+          </a:fontRef>
+        </p:style>
+        <p:txBody>
+          <a:bodyPr rtlCol="0" anchor="ctr"/>
+          <a:lstStyle/>
+          <a:p>
+            <a:pPr algn="ctr"/>
+            <a:endParaRPr lang="ko-KR" altLang="en-US"/>
+          </a:p>
+        </p:txBody>
+      </p:sp>
+      <p:sp>
+        <p:nvSpPr>
+          <p:cNvPr id="25" name="직사각형 24">
+            <a:extLst>
+              <a:ext uri="{FF2B5EF4-FFF2-40B4-BE49-F238E27FC236}">
+                <a16:creationId xmlns:a16="http://schemas.microsoft.com/office/drawing/2014/main" id="{FD865AEF-6457-C77F-0841-6186D9D9C6B3}"/>
+              </a:ext>
+            </a:extLst>
+          </p:cNvPr>
+          <p:cNvSpPr/>
+          <p:nvPr/>
+        </p:nvSpPr>
+        <p:spPr>
+          <a:xfrm>
+            <a:off x="8648578" y="1726058"/>
+            <a:ext cx="1448656" cy="400693"/>
+          </a:xfrm>
+          <a:prstGeom prst="rect">
+            <a:avLst/>
+          </a:prstGeom>
+          <a:noFill/>
+          <a:ln>
+            <a:solidFill>
+              <a:schemeClr val="tx1"/>
+            </a:solidFill>
+          </a:ln>
+        </p:spPr>
+        <p:style>
+          <a:lnRef idx="2">
+            <a:schemeClr val="accent1">
+              <a:shade val="15000"/>
+            </a:schemeClr>
+          </a:lnRef>
+          <a:fillRef idx="1">
+            <a:schemeClr val="accent1"/>
+          </a:fillRef>
+          <a:effectRef idx="0">
+            <a:schemeClr val="accent1"/>
+          </a:effectRef>
+          <a:fontRef idx="minor">
+            <a:schemeClr val="lt1"/>
+          </a:fontRef>
+        </p:style>
+        <p:txBody>
+          <a:bodyPr rtlCol="0" anchor="ctr"/>
+          <a:lstStyle/>
+          <a:p>
+            <a:pPr algn="ctr"/>
+            <a:endParaRPr lang="ko-KR" altLang="en-US"/>
+          </a:p>
+        </p:txBody>
+      </p:sp>
+      <p:sp>
+        <p:nvSpPr>
+          <p:cNvPr id="26" name="직사각형 25">
+            <a:extLst>
+              <a:ext uri="{FF2B5EF4-FFF2-40B4-BE49-F238E27FC236}">
+                <a16:creationId xmlns:a16="http://schemas.microsoft.com/office/drawing/2014/main" id="{45D1BF28-23FB-53E4-8AB0-80419FCB5483}"/>
+              </a:ext>
+            </a:extLst>
+          </p:cNvPr>
+          <p:cNvSpPr/>
+          <p:nvPr/>
+        </p:nvSpPr>
+        <p:spPr>
+          <a:xfrm>
+            <a:off x="10261621" y="1726058"/>
+            <a:ext cx="1448656" cy="400693"/>
+          </a:xfrm>
+          <a:prstGeom prst="rect">
+            <a:avLst/>
+          </a:prstGeom>
+          <a:noFill/>
+          <a:ln>
+            <a:solidFill>
+              <a:schemeClr val="tx1"/>
+            </a:solidFill>
+          </a:ln>
+        </p:spPr>
+        <p:style>
+          <a:lnRef idx="2">
+            <a:schemeClr val="accent1">
+              <a:shade val="15000"/>
+            </a:schemeClr>
+          </a:lnRef>
+          <a:fillRef idx="1">
+            <a:schemeClr val="accent1"/>
+          </a:fillRef>
+          <a:effectRef idx="0">
+            <a:schemeClr val="accent1"/>
+          </a:effectRef>
+          <a:fontRef idx="minor">
+            <a:schemeClr val="lt1"/>
+          </a:fontRef>
+        </p:style>
+        <p:txBody>
+          <a:bodyPr rtlCol="0" anchor="ctr"/>
+          <a:lstStyle/>
+          <a:p>
+            <a:pPr algn="ctr"/>
+            <a:endParaRPr lang="ko-KR" altLang="en-US"/>
+          </a:p>
+        </p:txBody>
+      </p:sp>
+      <p:sp>
+        <p:nvSpPr>
+          <p:cNvPr id="27" name="TextBox 26">
+            <a:extLst>
+              <a:ext uri="{FF2B5EF4-FFF2-40B4-BE49-F238E27FC236}">
+                <a16:creationId xmlns:a16="http://schemas.microsoft.com/office/drawing/2014/main" id="{BC46F181-6C52-604E-78AF-461B3DB9AEF7}"/>
+              </a:ext>
+            </a:extLst>
+          </p:cNvPr>
+          <p:cNvSpPr txBox="1"/>
+          <p:nvPr/>
+        </p:nvSpPr>
+        <p:spPr>
+          <a:xfrm>
+            <a:off x="7436697" y="1356726"/>
+            <a:ext cx="646331" cy="369332"/>
+          </a:xfrm>
+          <a:prstGeom prst="rect">
+            <a:avLst/>
+          </a:prstGeom>
+          <a:noFill/>
+        </p:spPr>
+        <p:txBody>
+          <a:bodyPr wrap="none" rtlCol="0">
+            <a:spAutoFit/>
+          </a:bodyPr>
+          <a:lstStyle/>
+          <a:p>
+            <a:r>
+              <a:rPr lang="ko-KR" altLang="en-US"/>
+              <a:t>학년</a:t>
+            </a:r>
+          </a:p>
+        </p:txBody>
+      </p:sp>
+      <p:sp>
+        <p:nvSpPr>
+          <p:cNvPr id="28" name="TextBox 27">
+            <a:extLst>
+              <a:ext uri="{FF2B5EF4-FFF2-40B4-BE49-F238E27FC236}">
+                <a16:creationId xmlns:a16="http://schemas.microsoft.com/office/drawing/2014/main" id="{F586C0A3-08A4-F99D-F602-AC63F1C27F83}"/>
+              </a:ext>
+            </a:extLst>
+          </p:cNvPr>
+          <p:cNvSpPr txBox="1"/>
+          <p:nvPr/>
+        </p:nvSpPr>
+        <p:spPr>
+          <a:xfrm>
+            <a:off x="9165157" y="1356726"/>
+            <a:ext cx="415498" cy="369332"/>
+          </a:xfrm>
+          <a:prstGeom prst="rect">
+            <a:avLst/>
+          </a:prstGeom>
+          <a:noFill/>
+        </p:spPr>
+        <p:txBody>
+          <a:bodyPr wrap="square" rtlCol="0">
+            <a:spAutoFit/>
+          </a:bodyPr>
+          <a:lstStyle/>
+          <a:p>
+            <a:r>
+              <a:rPr lang="ko-KR" altLang="en-US" dirty="0"/>
+              <a:t>반</a:t>
+            </a:r>
+          </a:p>
+        </p:txBody>
+      </p:sp>
+      <p:sp>
+        <p:nvSpPr>
+          <p:cNvPr id="29" name="TextBox 28">
+            <a:extLst>
+              <a:ext uri="{FF2B5EF4-FFF2-40B4-BE49-F238E27FC236}">
+                <a16:creationId xmlns:a16="http://schemas.microsoft.com/office/drawing/2014/main" id="{C6780ED0-106E-6CC0-8E4C-6A3818D0B4A8}"/>
+              </a:ext>
+            </a:extLst>
+          </p:cNvPr>
+          <p:cNvSpPr txBox="1"/>
+          <p:nvPr/>
+        </p:nvSpPr>
+        <p:spPr>
+          <a:xfrm>
+            <a:off x="10600669" y="1356726"/>
+            <a:ext cx="770560" cy="369332"/>
+          </a:xfrm>
+          <a:prstGeom prst="rect">
+            <a:avLst/>
+          </a:prstGeom>
+          <a:noFill/>
+        </p:spPr>
+        <p:txBody>
+          <a:bodyPr wrap="square" rtlCol="0">
+            <a:spAutoFit/>
+          </a:bodyPr>
+          <a:lstStyle/>
+          <a:p>
+            <a:pPr algn="ctr"/>
+            <a:r>
+              <a:rPr lang="ko-KR" altLang="en-US" dirty="0"/>
+              <a:t>번호</a:t>
+            </a:r>
+          </a:p>
+        </p:txBody>
+      </p:sp>
+      <p:sp>
+        <p:nvSpPr>
+          <p:cNvPr id="30" name="직사각형 29">
+            <a:extLst>
+              <a:ext uri="{FF2B5EF4-FFF2-40B4-BE49-F238E27FC236}">
+                <a16:creationId xmlns:a16="http://schemas.microsoft.com/office/drawing/2014/main" id="{6B45099A-1F4B-6E48-2549-34FCD2A2E022}"/>
+              </a:ext>
+            </a:extLst>
+          </p:cNvPr>
+          <p:cNvSpPr/>
+          <p:nvPr/>
+        </p:nvSpPr>
+        <p:spPr>
+          <a:xfrm>
+            <a:off x="7035535" y="2671286"/>
+            <a:ext cx="4674742" cy="400693"/>
+          </a:xfrm>
+          <a:prstGeom prst="rect">
+            <a:avLst/>
+          </a:prstGeom>
+          <a:noFill/>
+          <a:ln>
+            <a:solidFill>
+              <a:schemeClr val="tx1"/>
+            </a:solidFill>
+          </a:ln>
+        </p:spPr>
+        <p:style>
+          <a:lnRef idx="2">
+            <a:schemeClr val="accent1">
+              <a:shade val="15000"/>
+            </a:schemeClr>
+          </a:lnRef>
+          <a:fillRef idx="1">
+            <a:schemeClr val="accent1"/>
+          </a:fillRef>
+          <a:effectRef idx="0">
+            <a:schemeClr val="accent1"/>
+          </a:effectRef>
+          <a:fontRef idx="minor">
+            <a:schemeClr val="lt1"/>
+          </a:fontRef>
+        </p:style>
+        <p:txBody>
+          <a:bodyPr rtlCol="0" anchor="ctr"/>
+          <a:lstStyle/>
+          <a:p>
+            <a:pPr algn="ctr"/>
+            <a:endParaRPr lang="ko-KR" altLang="en-US"/>
+          </a:p>
+        </p:txBody>
+      </p:sp>
+      <p:sp>
+        <p:nvSpPr>
+          <p:cNvPr id="31" name="TextBox 30">
+            <a:extLst>
+              <a:ext uri="{FF2B5EF4-FFF2-40B4-BE49-F238E27FC236}">
+                <a16:creationId xmlns:a16="http://schemas.microsoft.com/office/drawing/2014/main" id="{B5D01E8B-9F8F-3608-F7FC-F1B031915606}"/>
+              </a:ext>
+            </a:extLst>
+          </p:cNvPr>
+          <p:cNvSpPr txBox="1"/>
+          <p:nvPr/>
+        </p:nvSpPr>
+        <p:spPr>
+          <a:xfrm>
+            <a:off x="8741046" y="2270593"/>
+            <a:ext cx="1263720" cy="369332"/>
+          </a:xfrm>
+          <a:prstGeom prst="rect">
+            <a:avLst/>
+          </a:prstGeom>
+          <a:noFill/>
+        </p:spPr>
+        <p:txBody>
+          <a:bodyPr wrap="square" rtlCol="0">
+            <a:spAutoFit/>
+          </a:bodyPr>
+          <a:lstStyle/>
+          <a:p>
+            <a:pPr algn="ctr"/>
+            <a:r>
+              <a:rPr lang="ko-KR" altLang="en-US" dirty="0"/>
+              <a:t>모둠</a:t>
+            </a:r>
+          </a:p>
+        </p:txBody>
+      </p:sp>
+      <p:sp>
+        <p:nvSpPr>
+          <p:cNvPr id="32" name="직사각형 31">
+            <a:extLst>
+              <a:ext uri="{FF2B5EF4-FFF2-40B4-BE49-F238E27FC236}">
+                <a16:creationId xmlns:a16="http://schemas.microsoft.com/office/drawing/2014/main" id="{54F045B0-947F-0435-3CFE-DD8FF34D8904}"/>
+              </a:ext>
+            </a:extLst>
+          </p:cNvPr>
+          <p:cNvSpPr/>
+          <p:nvPr/>
+        </p:nvSpPr>
+        <p:spPr>
+          <a:xfrm>
+            <a:off x="7035535" y="3502953"/>
+            <a:ext cx="2239766" cy="400693"/>
+          </a:xfrm>
+          <a:prstGeom prst="rect">
+            <a:avLst/>
+          </a:prstGeom>
+          <a:noFill/>
+          <a:ln>
+            <a:solidFill>
+              <a:schemeClr val="tx1"/>
+            </a:solidFill>
+          </a:ln>
+        </p:spPr>
+        <p:style>
+          <a:lnRef idx="2">
+            <a:schemeClr val="accent1">
+              <a:shade val="15000"/>
+            </a:schemeClr>
+          </a:lnRef>
+          <a:fillRef idx="1">
+            <a:schemeClr val="accent1"/>
+          </a:fillRef>
+          <a:effectRef idx="0">
+            <a:schemeClr val="accent1"/>
+          </a:effectRef>
+          <a:fontRef idx="minor">
+            <a:schemeClr val="lt1"/>
+          </a:fontRef>
+        </p:style>
+        <p:txBody>
+          <a:bodyPr rtlCol="0" anchor="ctr"/>
+          <a:lstStyle/>
+          <a:p>
+            <a:pPr algn="ctr"/>
+            <a:endParaRPr lang="ko-KR" altLang="en-US"/>
+          </a:p>
+        </p:txBody>
+      </p:sp>
+      <p:sp>
+        <p:nvSpPr>
+          <p:cNvPr id="33" name="직사각형 32">
+            <a:extLst>
+              <a:ext uri="{FF2B5EF4-FFF2-40B4-BE49-F238E27FC236}">
+                <a16:creationId xmlns:a16="http://schemas.microsoft.com/office/drawing/2014/main" id="{051D3BFF-3363-63CD-6782-C1878FB490E0}"/>
+              </a:ext>
+            </a:extLst>
+          </p:cNvPr>
+          <p:cNvSpPr/>
+          <p:nvPr/>
+        </p:nvSpPr>
+        <p:spPr>
+          <a:xfrm>
+            <a:off x="9470511" y="3502953"/>
+            <a:ext cx="2239766" cy="400693"/>
+          </a:xfrm>
+          <a:prstGeom prst="rect">
+            <a:avLst/>
+          </a:prstGeom>
+          <a:noFill/>
+          <a:ln>
+            <a:solidFill>
+              <a:schemeClr val="tx1"/>
+            </a:solidFill>
+          </a:ln>
+        </p:spPr>
+        <p:style>
+          <a:lnRef idx="2">
+            <a:schemeClr val="accent1">
+              <a:shade val="15000"/>
+            </a:schemeClr>
+          </a:lnRef>
+          <a:fillRef idx="1">
+            <a:schemeClr val="accent1"/>
+          </a:fillRef>
+          <a:effectRef idx="0">
+            <a:schemeClr val="accent1"/>
+          </a:effectRef>
+          <a:fontRef idx="minor">
+            <a:schemeClr val="lt1"/>
+          </a:fontRef>
+        </p:style>
+        <p:txBody>
+          <a:bodyPr rtlCol="0" anchor="ctr"/>
+          <a:lstStyle/>
+          <a:p>
+            <a:pPr algn="ctr"/>
+            <a:endParaRPr lang="ko-KR" altLang="en-US"/>
+          </a:p>
+        </p:txBody>
+      </p:sp>
+      <p:sp>
+        <p:nvSpPr>
+          <p:cNvPr id="34" name="TextBox 33">
+            <a:extLst>
+              <a:ext uri="{FF2B5EF4-FFF2-40B4-BE49-F238E27FC236}">
+                <a16:creationId xmlns:a16="http://schemas.microsoft.com/office/drawing/2014/main" id="{F5F45052-5379-F4EF-840C-50D3311B2CF7}"/>
+              </a:ext>
+            </a:extLst>
+          </p:cNvPr>
+          <p:cNvSpPr txBox="1"/>
+          <p:nvPr/>
+        </p:nvSpPr>
+        <p:spPr>
+          <a:xfrm>
+            <a:off x="7523558" y="3133621"/>
+            <a:ext cx="1263720" cy="369332"/>
+          </a:xfrm>
+          <a:prstGeom prst="rect">
+            <a:avLst/>
+          </a:prstGeom>
+          <a:noFill/>
+        </p:spPr>
+        <p:txBody>
+          <a:bodyPr wrap="square" rtlCol="0">
+            <a:spAutoFit/>
+          </a:bodyPr>
+          <a:lstStyle/>
+          <a:p>
+            <a:pPr algn="ctr"/>
+            <a:r>
+              <a:rPr lang="ko-KR" altLang="en-US" dirty="0" err="1"/>
+              <a:t>모둠원</a:t>
+            </a:r>
+            <a:r>
+              <a:rPr lang="en-US" altLang="ko-KR" dirty="0"/>
+              <a:t>1</a:t>
+            </a:r>
+            <a:endParaRPr lang="ko-KR" altLang="en-US" dirty="0"/>
+          </a:p>
+        </p:txBody>
+      </p:sp>
+      <p:sp>
+        <p:nvSpPr>
+          <p:cNvPr id="35" name="TextBox 34">
+            <a:extLst>
+              <a:ext uri="{FF2B5EF4-FFF2-40B4-BE49-F238E27FC236}">
+                <a16:creationId xmlns:a16="http://schemas.microsoft.com/office/drawing/2014/main" id="{B55C1F73-4E5A-3D1B-5D4B-A105F34A992F}"/>
+              </a:ext>
+            </a:extLst>
+          </p:cNvPr>
+          <p:cNvSpPr txBox="1"/>
+          <p:nvPr/>
+        </p:nvSpPr>
+        <p:spPr>
+          <a:xfrm>
+            <a:off x="9958534" y="3133621"/>
+            <a:ext cx="1263720" cy="369332"/>
+          </a:xfrm>
+          <a:prstGeom prst="rect">
+            <a:avLst/>
+          </a:prstGeom>
+          <a:noFill/>
+        </p:spPr>
+        <p:txBody>
+          <a:bodyPr wrap="square" rtlCol="0">
+            <a:spAutoFit/>
+          </a:bodyPr>
+          <a:lstStyle/>
+          <a:p>
+            <a:pPr algn="ctr"/>
+            <a:r>
+              <a:rPr lang="ko-KR" altLang="en-US" dirty="0" err="1"/>
+              <a:t>모둠원</a:t>
+            </a:r>
+            <a:r>
+              <a:rPr lang="en-US" altLang="ko-KR" dirty="0"/>
+              <a:t>2</a:t>
+            </a:r>
+            <a:endParaRPr lang="ko-KR" altLang="en-US" dirty="0"/>
+          </a:p>
+        </p:txBody>
+      </p:sp>
+      <p:sp>
+        <p:nvSpPr>
+          <p:cNvPr id="36" name="직사각형 35">
+            <a:extLst>
+              <a:ext uri="{FF2B5EF4-FFF2-40B4-BE49-F238E27FC236}">
+                <a16:creationId xmlns:a16="http://schemas.microsoft.com/office/drawing/2014/main" id="{72A51F9D-D8C5-1398-5AB9-16C512AA950A}"/>
+              </a:ext>
+            </a:extLst>
+          </p:cNvPr>
+          <p:cNvSpPr/>
+          <p:nvPr/>
+        </p:nvSpPr>
+        <p:spPr>
+          <a:xfrm>
+            <a:off x="7035535" y="4458449"/>
+            <a:ext cx="2239766" cy="400693"/>
+          </a:xfrm>
+          <a:prstGeom prst="rect">
+            <a:avLst/>
+          </a:prstGeom>
+          <a:noFill/>
+          <a:ln>
+            <a:solidFill>
+              <a:schemeClr val="tx1"/>
+            </a:solidFill>
+          </a:ln>
+        </p:spPr>
+        <p:style>
+          <a:lnRef idx="2">
+            <a:schemeClr val="accent1">
+              <a:shade val="15000"/>
+            </a:schemeClr>
+          </a:lnRef>
+          <a:fillRef idx="1">
+            <a:schemeClr val="accent1"/>
+          </a:fillRef>
+          <a:effectRef idx="0">
+            <a:schemeClr val="accent1"/>
+          </a:effectRef>
+          <a:fontRef idx="minor">
+            <a:schemeClr val="lt1"/>
+          </a:fontRef>
+        </p:style>
+        <p:txBody>
+          <a:bodyPr rtlCol="0" anchor="ctr"/>
+          <a:lstStyle/>
+          <a:p>
+            <a:pPr algn="ctr"/>
+            <a:endParaRPr lang="ko-KR" altLang="en-US"/>
+          </a:p>
+        </p:txBody>
+      </p:sp>
+      <p:sp>
+        <p:nvSpPr>
+          <p:cNvPr id="37" name="직사각형 36">
+            <a:extLst>
+              <a:ext uri="{FF2B5EF4-FFF2-40B4-BE49-F238E27FC236}">
+                <a16:creationId xmlns:a16="http://schemas.microsoft.com/office/drawing/2014/main" id="{1833D2DD-583A-DEDF-766E-4837A79C0C26}"/>
+              </a:ext>
+            </a:extLst>
+          </p:cNvPr>
+          <p:cNvSpPr/>
+          <p:nvPr/>
+        </p:nvSpPr>
+        <p:spPr>
+          <a:xfrm>
+            <a:off x="9470511" y="4458449"/>
+            <a:ext cx="2239766" cy="400693"/>
+          </a:xfrm>
+          <a:prstGeom prst="rect">
+            <a:avLst/>
+          </a:prstGeom>
+          <a:noFill/>
+          <a:ln>
+            <a:solidFill>
+              <a:schemeClr val="tx1"/>
+            </a:solidFill>
+          </a:ln>
+        </p:spPr>
+        <p:style>
+          <a:lnRef idx="2">
+            <a:schemeClr val="accent1">
+              <a:shade val="15000"/>
+            </a:schemeClr>
+          </a:lnRef>
+          <a:fillRef idx="1">
+            <a:schemeClr val="accent1"/>
+          </a:fillRef>
+          <a:effectRef idx="0">
+            <a:schemeClr val="accent1"/>
+          </a:effectRef>
+          <a:fontRef idx="minor">
+            <a:schemeClr val="lt1"/>
+          </a:fontRef>
+        </p:style>
+        <p:txBody>
+          <a:bodyPr rtlCol="0" anchor="ctr"/>
+          <a:lstStyle/>
+          <a:p>
+            <a:pPr algn="ctr"/>
+            <a:endParaRPr lang="ko-KR" altLang="en-US"/>
+          </a:p>
+        </p:txBody>
+      </p:sp>
+      <p:sp>
+        <p:nvSpPr>
+          <p:cNvPr id="38" name="TextBox 37">
+            <a:extLst>
+              <a:ext uri="{FF2B5EF4-FFF2-40B4-BE49-F238E27FC236}">
+                <a16:creationId xmlns:a16="http://schemas.microsoft.com/office/drawing/2014/main" id="{B912EFA1-DA22-8045-13FC-D77FA1DEB9E6}"/>
+              </a:ext>
+            </a:extLst>
+          </p:cNvPr>
+          <p:cNvSpPr txBox="1"/>
+          <p:nvPr/>
+        </p:nvSpPr>
+        <p:spPr>
+          <a:xfrm>
+            <a:off x="7523558" y="4089117"/>
+            <a:ext cx="1263720" cy="369332"/>
+          </a:xfrm>
+          <a:prstGeom prst="rect">
+            <a:avLst/>
+          </a:prstGeom>
+          <a:noFill/>
+        </p:spPr>
+        <p:txBody>
+          <a:bodyPr wrap="square" rtlCol="0">
+            <a:spAutoFit/>
+          </a:bodyPr>
+          <a:lstStyle/>
+          <a:p>
+            <a:pPr algn="ctr"/>
+            <a:r>
+              <a:rPr lang="ko-KR" altLang="en-US" dirty="0" err="1"/>
+              <a:t>모둠원</a:t>
+            </a:r>
+            <a:r>
+              <a:rPr lang="en-US" altLang="ko-KR" dirty="0"/>
+              <a:t>3</a:t>
+            </a:r>
+            <a:endParaRPr lang="ko-KR" altLang="en-US" dirty="0"/>
+          </a:p>
+        </p:txBody>
+      </p:sp>
+      <p:sp>
+        <p:nvSpPr>
+          <p:cNvPr id="39" name="TextBox 38">
+            <a:extLst>
+              <a:ext uri="{FF2B5EF4-FFF2-40B4-BE49-F238E27FC236}">
+                <a16:creationId xmlns:a16="http://schemas.microsoft.com/office/drawing/2014/main" id="{1F7EFC81-B842-B3E1-51C2-967A413F435F}"/>
+              </a:ext>
+            </a:extLst>
+          </p:cNvPr>
+          <p:cNvSpPr txBox="1"/>
+          <p:nvPr/>
+        </p:nvSpPr>
+        <p:spPr>
+          <a:xfrm>
+            <a:off x="9958534" y="4089117"/>
+            <a:ext cx="1263720" cy="369332"/>
+          </a:xfrm>
+          <a:prstGeom prst="rect">
+            <a:avLst/>
+          </a:prstGeom>
+          <a:noFill/>
+        </p:spPr>
+        <p:txBody>
+          <a:bodyPr wrap="square" rtlCol="0">
+            <a:spAutoFit/>
+          </a:bodyPr>
+          <a:lstStyle/>
+          <a:p>
+            <a:pPr algn="ctr"/>
+            <a:r>
+              <a:rPr lang="ko-KR" altLang="en-US" dirty="0" err="1"/>
+              <a:t>모둠원</a:t>
+            </a:r>
+            <a:r>
+              <a:rPr lang="en-US" altLang="ko-KR" dirty="0"/>
+              <a:t>4</a:t>
+            </a:r>
+            <a:endParaRPr lang="ko-KR" altLang="en-US" dirty="0"/>
+          </a:p>
+        </p:txBody>
+      </p:sp>
+      <p:sp>
+        <p:nvSpPr>
+          <p:cNvPr id="40" name="직사각형 39">
+            <a:extLst>
+              <a:ext uri="{FF2B5EF4-FFF2-40B4-BE49-F238E27FC236}">
+                <a16:creationId xmlns:a16="http://schemas.microsoft.com/office/drawing/2014/main" id="{57770043-A788-2DD9-BC90-5310B23A625B}"/>
+              </a:ext>
+            </a:extLst>
+          </p:cNvPr>
+          <p:cNvSpPr/>
+          <p:nvPr/>
+        </p:nvSpPr>
+        <p:spPr>
+          <a:xfrm>
+            <a:off x="7035535" y="5413945"/>
+            <a:ext cx="2239766" cy="400693"/>
+          </a:xfrm>
+          <a:prstGeom prst="rect">
+            <a:avLst/>
+          </a:prstGeom>
+          <a:noFill/>
+          <a:ln>
+            <a:solidFill>
+              <a:schemeClr val="tx1"/>
+            </a:solidFill>
+          </a:ln>
+        </p:spPr>
+        <p:style>
+          <a:lnRef idx="2">
+            <a:schemeClr val="accent1">
+              <a:shade val="15000"/>
+            </a:schemeClr>
+          </a:lnRef>
+          <a:fillRef idx="1">
+            <a:schemeClr val="accent1"/>
+          </a:fillRef>
+          <a:effectRef idx="0">
+            <a:schemeClr val="accent1"/>
+          </a:effectRef>
+          <a:fontRef idx="minor">
+            <a:schemeClr val="lt1"/>
+          </a:fontRef>
+        </p:style>
+        <p:txBody>
+          <a:bodyPr rtlCol="0" anchor="ctr"/>
+          <a:lstStyle/>
+          <a:p>
+            <a:pPr algn="ctr"/>
+            <a:endParaRPr lang="ko-KR" altLang="en-US"/>
+          </a:p>
+        </p:txBody>
+      </p:sp>
+      <p:sp>
+        <p:nvSpPr>
+          <p:cNvPr id="41" name="직사각형 40">
+            <a:extLst>
+              <a:ext uri="{FF2B5EF4-FFF2-40B4-BE49-F238E27FC236}">
+                <a16:creationId xmlns:a16="http://schemas.microsoft.com/office/drawing/2014/main" id="{5580E763-8668-C59D-9119-4BAA9C6B72B5}"/>
+              </a:ext>
+            </a:extLst>
+          </p:cNvPr>
+          <p:cNvSpPr/>
+          <p:nvPr/>
+        </p:nvSpPr>
+        <p:spPr>
+          <a:xfrm>
+            <a:off x="9470511" y="5413945"/>
+            <a:ext cx="2239766" cy="400693"/>
+          </a:xfrm>
+          <a:prstGeom prst="rect">
+            <a:avLst/>
+          </a:prstGeom>
+          <a:noFill/>
+          <a:ln>
+            <a:solidFill>
+              <a:schemeClr val="tx1"/>
+            </a:solidFill>
+          </a:ln>
+        </p:spPr>
+        <p:style>
+          <a:lnRef idx="2">
+            <a:schemeClr val="accent1">
+              <a:shade val="15000"/>
+            </a:schemeClr>
+          </a:lnRef>
+          <a:fillRef idx="1">
+            <a:schemeClr val="accent1"/>
+          </a:fillRef>
+          <a:effectRef idx="0">
+            <a:schemeClr val="accent1"/>
+          </a:effectRef>
+          <a:fontRef idx="minor">
+            <a:schemeClr val="lt1"/>
+          </a:fontRef>
+        </p:style>
+        <p:txBody>
+          <a:bodyPr rtlCol="0" anchor="ctr"/>
+          <a:lstStyle/>
+          <a:p>
+            <a:pPr algn="ctr"/>
+            <a:endParaRPr lang="ko-KR" altLang="en-US"/>
+          </a:p>
+        </p:txBody>
+      </p:sp>
+      <p:sp>
+        <p:nvSpPr>
+          <p:cNvPr id="42" name="TextBox 41">
+            <a:extLst>
+              <a:ext uri="{FF2B5EF4-FFF2-40B4-BE49-F238E27FC236}">
+                <a16:creationId xmlns:a16="http://schemas.microsoft.com/office/drawing/2014/main" id="{182B1F0B-B745-EA58-5B50-1A77889886E5}"/>
+              </a:ext>
+            </a:extLst>
+          </p:cNvPr>
+          <p:cNvSpPr txBox="1"/>
+          <p:nvPr/>
+        </p:nvSpPr>
+        <p:spPr>
+          <a:xfrm>
+            <a:off x="7523558" y="5044613"/>
+            <a:ext cx="1263720" cy="369332"/>
+          </a:xfrm>
+          <a:prstGeom prst="rect">
+            <a:avLst/>
+          </a:prstGeom>
+          <a:noFill/>
+        </p:spPr>
+        <p:txBody>
+          <a:bodyPr wrap="square" rtlCol="0">
+            <a:spAutoFit/>
+          </a:bodyPr>
+          <a:lstStyle/>
+          <a:p>
+            <a:pPr algn="ctr"/>
+            <a:r>
+              <a:rPr lang="ko-KR" altLang="en-US" dirty="0" err="1"/>
+              <a:t>모둠원</a:t>
+            </a:r>
+            <a:r>
+              <a:rPr lang="en-US" altLang="ko-KR" dirty="0"/>
+              <a:t>5</a:t>
+            </a:r>
+            <a:endParaRPr lang="ko-KR" altLang="en-US" dirty="0"/>
+          </a:p>
+        </p:txBody>
+      </p:sp>
+      <p:sp>
+        <p:nvSpPr>
+          <p:cNvPr id="43" name="TextBox 42">
+            <a:extLst>
+              <a:ext uri="{FF2B5EF4-FFF2-40B4-BE49-F238E27FC236}">
+                <a16:creationId xmlns:a16="http://schemas.microsoft.com/office/drawing/2014/main" id="{BB1CB9DD-8005-0FE4-4F05-5633D5C15D9A}"/>
+              </a:ext>
+            </a:extLst>
+          </p:cNvPr>
+          <p:cNvSpPr txBox="1"/>
+          <p:nvPr/>
+        </p:nvSpPr>
+        <p:spPr>
+          <a:xfrm>
+            <a:off x="9958534" y="5044613"/>
+            <a:ext cx="1263720" cy="369332"/>
+          </a:xfrm>
+          <a:prstGeom prst="rect">
+            <a:avLst/>
+          </a:prstGeom>
+          <a:noFill/>
+        </p:spPr>
+        <p:txBody>
+          <a:bodyPr wrap="square" rtlCol="0">
+            <a:spAutoFit/>
+          </a:bodyPr>
+          <a:lstStyle/>
+          <a:p>
+            <a:pPr algn="ctr"/>
+            <a:r>
+              <a:rPr lang="ko-KR" altLang="en-US" dirty="0" err="1"/>
+              <a:t>모둠원</a:t>
+            </a:r>
+            <a:r>
+              <a:rPr lang="en-US" altLang="ko-KR" dirty="0"/>
+              <a:t>6</a:t>
+            </a:r>
+            <a:endParaRPr lang="ko-KR" altLang="en-US" dirty="0"/>
+          </a:p>
+        </p:txBody>
+      </p:sp>
+    </p:spTree>
+    <p:extLst>
+      <p:ext uri="{BB962C8B-B14F-4D97-AF65-F5344CB8AC3E}">
+        <p14:creationId xmlns:p14="http://schemas.microsoft.com/office/powerpoint/2010/main" val="3400457345"/>
       </p:ext>
     </p:extLst>
   </p:cSld>

--- a/프레젠테이션1.pptx
+++ b/프레젠테이션1.pptx
@@ -8,6 +8,7 @@
     <p:sldId id="256" r:id="rId2"/>
     <p:sldId id="257" r:id="rId3"/>
     <p:sldId id="258" r:id="rId4"/>
+    <p:sldId id="259" r:id="rId5"/>
   </p:sldIdLst>
   <p:sldSz cx="12192000" cy="6858000"/>
   <p:notesSz cx="6858000" cy="9144000"/>
@@ -261,7 +262,7 @@
           <a:p>
             <a:fld id="{80C2B79C-01F9-470D-BE5D-59AE935B18AA}" type="datetimeFigureOut">
               <a:rPr lang="ko-KR" altLang="en-US" smtClean="0"/>
-              <a:t>2025-08-13</a:t>
+              <a:t>2025-08-14</a:t>
             </a:fld>
             <a:endParaRPr lang="ko-KR" altLang="en-US"/>
           </a:p>
@@ -459,7 +460,7 @@
           <a:p>
             <a:fld id="{80C2B79C-01F9-470D-BE5D-59AE935B18AA}" type="datetimeFigureOut">
               <a:rPr lang="ko-KR" altLang="en-US" smtClean="0"/>
-              <a:t>2025-08-13</a:t>
+              <a:t>2025-08-14</a:t>
             </a:fld>
             <a:endParaRPr lang="ko-KR" altLang="en-US"/>
           </a:p>
@@ -667,7 +668,7 @@
           <a:p>
             <a:fld id="{80C2B79C-01F9-470D-BE5D-59AE935B18AA}" type="datetimeFigureOut">
               <a:rPr lang="ko-KR" altLang="en-US" smtClean="0"/>
-              <a:t>2025-08-13</a:t>
+              <a:t>2025-08-14</a:t>
             </a:fld>
             <a:endParaRPr lang="ko-KR" altLang="en-US"/>
           </a:p>
@@ -865,7 +866,7 @@
           <a:p>
             <a:fld id="{80C2B79C-01F9-470D-BE5D-59AE935B18AA}" type="datetimeFigureOut">
               <a:rPr lang="ko-KR" altLang="en-US" smtClean="0"/>
-              <a:t>2025-08-13</a:t>
+              <a:t>2025-08-14</a:t>
             </a:fld>
             <a:endParaRPr lang="ko-KR" altLang="en-US"/>
           </a:p>
@@ -1140,7 +1141,7 @@
           <a:p>
             <a:fld id="{80C2B79C-01F9-470D-BE5D-59AE935B18AA}" type="datetimeFigureOut">
               <a:rPr lang="ko-KR" altLang="en-US" smtClean="0"/>
-              <a:t>2025-08-13</a:t>
+              <a:t>2025-08-14</a:t>
             </a:fld>
             <a:endParaRPr lang="ko-KR" altLang="en-US"/>
           </a:p>
@@ -1405,7 +1406,7 @@
           <a:p>
             <a:fld id="{80C2B79C-01F9-470D-BE5D-59AE935B18AA}" type="datetimeFigureOut">
               <a:rPr lang="ko-KR" altLang="en-US" smtClean="0"/>
-              <a:t>2025-08-13</a:t>
+              <a:t>2025-08-14</a:t>
             </a:fld>
             <a:endParaRPr lang="ko-KR" altLang="en-US"/>
           </a:p>
@@ -1817,7 +1818,7 @@
           <a:p>
             <a:fld id="{80C2B79C-01F9-470D-BE5D-59AE935B18AA}" type="datetimeFigureOut">
               <a:rPr lang="ko-KR" altLang="en-US" smtClean="0"/>
-              <a:t>2025-08-13</a:t>
+              <a:t>2025-08-14</a:t>
             </a:fld>
             <a:endParaRPr lang="ko-KR" altLang="en-US"/>
           </a:p>
@@ -1958,7 +1959,7 @@
           <a:p>
             <a:fld id="{80C2B79C-01F9-470D-BE5D-59AE935B18AA}" type="datetimeFigureOut">
               <a:rPr lang="ko-KR" altLang="en-US" smtClean="0"/>
-              <a:t>2025-08-13</a:t>
+              <a:t>2025-08-14</a:t>
             </a:fld>
             <a:endParaRPr lang="ko-KR" altLang="en-US"/>
           </a:p>
@@ -2071,7 +2072,7 @@
           <a:p>
             <a:fld id="{80C2B79C-01F9-470D-BE5D-59AE935B18AA}" type="datetimeFigureOut">
               <a:rPr lang="ko-KR" altLang="en-US" smtClean="0"/>
-              <a:t>2025-08-13</a:t>
+              <a:t>2025-08-14</a:t>
             </a:fld>
             <a:endParaRPr lang="ko-KR" altLang="en-US"/>
           </a:p>
@@ -2382,7 +2383,7 @@
           <a:p>
             <a:fld id="{80C2B79C-01F9-470D-BE5D-59AE935B18AA}" type="datetimeFigureOut">
               <a:rPr lang="ko-KR" altLang="en-US" smtClean="0"/>
-              <a:t>2025-08-13</a:t>
+              <a:t>2025-08-14</a:t>
             </a:fld>
             <a:endParaRPr lang="ko-KR" altLang="en-US"/>
           </a:p>
@@ -2670,7 +2671,7 @@
           <a:p>
             <a:fld id="{80C2B79C-01F9-470D-BE5D-59AE935B18AA}" type="datetimeFigureOut">
               <a:rPr lang="ko-KR" altLang="en-US" smtClean="0"/>
-              <a:t>2025-08-13</a:t>
+              <a:t>2025-08-14</a:t>
             </a:fld>
             <a:endParaRPr lang="ko-KR" altLang="en-US"/>
           </a:p>
@@ -2911,7 +2912,7 @@
           <a:p>
             <a:fld id="{80C2B79C-01F9-470D-BE5D-59AE935B18AA}" type="datetimeFigureOut">
               <a:rPr lang="ko-KR" altLang="en-US" smtClean="0"/>
-              <a:t>2025-08-13</a:t>
+              <a:t>2025-08-14</a:t>
             </a:fld>
             <a:endParaRPr lang="ko-KR" altLang="en-US"/>
           </a:p>
@@ -5165,6 +5166,66 @@
     <p:extLst>
       <p:ext uri="{BB962C8B-B14F-4D97-AF65-F5344CB8AC3E}">
         <p14:creationId xmlns:p14="http://schemas.microsoft.com/office/powerpoint/2010/main" val="3400457345"/>
+      </p:ext>
+    </p:extLst>
+  </p:cSld>
+  <p:clrMapOvr>
+    <a:masterClrMapping/>
+  </p:clrMapOvr>
+</p:sld>
+</file>
+
+<file path=ppt/slides/slide4.xml><?xml version="1.0" encoding="utf-8"?>
+<p:sld xmlns:a="http://schemas.openxmlformats.org/drawingml/2006/main" xmlns:r="http://schemas.openxmlformats.org/officeDocument/2006/relationships" xmlns:p="http://schemas.openxmlformats.org/presentationml/2006/main">
+  <p:cSld>
+    <p:spTree>
+      <p:nvGrpSpPr>
+        <p:cNvPr id="1" name=""/>
+        <p:cNvGrpSpPr/>
+        <p:nvPr/>
+      </p:nvGrpSpPr>
+      <p:grpSpPr>
+        <a:xfrm>
+          <a:off x="0" y="0"/>
+          <a:ext cx="0" cy="0"/>
+          <a:chOff x="0" y="0"/>
+          <a:chExt cx="0" cy="0"/>
+        </a:xfrm>
+      </p:grpSpPr>
+      <p:pic>
+        <p:nvPicPr>
+          <p:cNvPr id="5" name="그림 4">
+            <a:extLst>
+              <a:ext uri="{FF2B5EF4-FFF2-40B4-BE49-F238E27FC236}">
+                <a16:creationId xmlns:a16="http://schemas.microsoft.com/office/drawing/2014/main" id="{DE51C8DF-5CE3-E103-20D8-6C35CA49275F}"/>
+              </a:ext>
+            </a:extLst>
+          </p:cNvPr>
+          <p:cNvPicPr>
+            <a:picLocks noChangeAspect="1"/>
+          </p:cNvPicPr>
+          <p:nvPr/>
+        </p:nvPicPr>
+        <p:blipFill>
+          <a:blip r:embed="rId2"/>
+          <a:stretch>
+            <a:fillRect/>
+          </a:stretch>
+        </p:blipFill>
+        <p:spPr>
+          <a:xfrm>
+            <a:off x="1225509" y="0"/>
+            <a:ext cx="9740981" cy="6858000"/>
+          </a:xfrm>
+          <a:prstGeom prst="rect">
+            <a:avLst/>
+          </a:prstGeom>
+        </p:spPr>
+      </p:pic>
+    </p:spTree>
+    <p:extLst>
+      <p:ext uri="{BB962C8B-B14F-4D97-AF65-F5344CB8AC3E}">
+        <p14:creationId xmlns:p14="http://schemas.microsoft.com/office/powerpoint/2010/main" val="941266072"/>
       </p:ext>
     </p:extLst>
   </p:cSld>
